--- a/streamlit_demo.pptx
+++ b/streamlit_demo.pptx
@@ -6,8 +6,9 @@
   </p:sldMasterIdLst>
   <p:sldIdLst>
     <p:sldId id="256" r:id="rId2"/>
-    <p:sldId id="257" r:id="rId3"/>
-    <p:sldId id="258" r:id="rId4"/>
+    <p:sldId id="259" r:id="rId3"/>
+    <p:sldId id="257" r:id="rId4"/>
+    <p:sldId id="258" r:id="rId5"/>
   </p:sldIdLst>
   <p:sldSz cx="12192000" cy="6858000"/>
   <p:notesSz cx="6858000" cy="9144000"/>
@@ -127,12 +128,12 @@
   <pc:docChgLst>
     <pc:chgData name="suneel katageri" userId="d7b89cbcb57bd19c" providerId="LiveId" clId="{67CA7B10-B774-43ED-9F5C-FA2F9CAD4502}"/>
     <pc:docChg chg="custSel addSld delSld modSld">
-      <pc:chgData name="suneel katageri" userId="d7b89cbcb57bd19c" providerId="LiveId" clId="{67CA7B10-B774-43ED-9F5C-FA2F9CAD4502}" dt="2025-09-14T15:36:37.486" v="49" actId="2696"/>
+      <pc:chgData name="suneel katageri" userId="d7b89cbcb57bd19c" providerId="LiveId" clId="{67CA7B10-B774-43ED-9F5C-FA2F9CAD4502}" dt="2025-09-14T15:55:26.048" v="99" actId="1076"/>
       <pc:docMkLst>
         <pc:docMk/>
       </pc:docMkLst>
       <pc:sldChg chg="addSp delSp modSp new mod">
-        <pc:chgData name="suneel katageri" userId="d7b89cbcb57bd19c" providerId="LiveId" clId="{67CA7B10-B774-43ED-9F5C-FA2F9CAD4502}" dt="2025-09-14T15:28:57.221" v="19" actId="21"/>
+        <pc:chgData name="suneel katageri" userId="d7b89cbcb57bd19c" providerId="LiveId" clId="{67CA7B10-B774-43ED-9F5C-FA2F9CAD4502}" dt="2025-09-14T15:55:26.048" v="99" actId="1076"/>
         <pc:sldMkLst>
           <pc:docMk/>
           <pc:sldMk cId="552515978" sldId="256"/>
@@ -145,6 +146,14 @@
             <ac:spMk id="2" creationId="{FA326C43-AD89-3CF9-1C08-535EA612B644}"/>
           </ac:spMkLst>
         </pc:spChg>
+        <pc:spChg chg="add mod">
+          <ac:chgData name="suneel katageri" userId="d7b89cbcb57bd19c" providerId="LiveId" clId="{67CA7B10-B774-43ED-9F5C-FA2F9CAD4502}" dt="2025-09-14T15:55:26.048" v="99" actId="1076"/>
+          <ac:spMkLst>
+            <pc:docMk/>
+            <pc:sldMk cId="552515978" sldId="256"/>
+            <ac:spMk id="3" creationId="{8E6A9166-3650-4667-5501-817695FC30EE}"/>
+          </ac:spMkLst>
+        </pc:spChg>
         <pc:spChg chg="del">
           <ac:chgData name="suneel katageri" userId="d7b89cbcb57bd19c" providerId="LiveId" clId="{67CA7B10-B774-43ED-9F5C-FA2F9CAD4502}" dt="2025-09-14T15:27:57.807" v="2" actId="478"/>
           <ac:spMkLst>
@@ -153,8 +162,8 @@
             <ac:spMk id="3" creationId="{94495238-755E-098D-F390-582FA7210113}"/>
           </ac:spMkLst>
         </pc:spChg>
-        <pc:picChg chg="add mod">
-          <ac:chgData name="suneel katageri" userId="d7b89cbcb57bd19c" providerId="LiveId" clId="{67CA7B10-B774-43ED-9F5C-FA2F9CAD4502}" dt="2025-09-14T15:28:54.606" v="18" actId="14100"/>
+        <pc:picChg chg="add del mod">
+          <ac:chgData name="suneel katageri" userId="d7b89cbcb57bd19c" providerId="LiveId" clId="{67CA7B10-B774-43ED-9F5C-FA2F9CAD4502}" dt="2025-09-14T15:49:40.161" v="52" actId="478"/>
           <ac:picMkLst>
             <pc:docMk/>
             <pc:sldMk cId="552515978" sldId="256"/>
@@ -223,6 +232,13 @@
             <ac:picMk id="7" creationId="{504EE50A-3AF0-3198-A5E4-61E5003332BD}"/>
           </ac:picMkLst>
         </pc:picChg>
+      </pc:sldChg>
+      <pc:sldChg chg="add">
+        <pc:chgData name="suneel katageri" userId="d7b89cbcb57bd19c" providerId="LiveId" clId="{67CA7B10-B774-43ED-9F5C-FA2F9CAD4502}" dt="2025-09-14T15:49:38.337" v="50" actId="2890"/>
+        <pc:sldMkLst>
+          <pc:docMk/>
+          <pc:sldMk cId="876460368" sldId="259"/>
+        </pc:sldMkLst>
       </pc:sldChg>
       <pc:sldChg chg="addSp delSp modSp add del mod">
         <pc:chgData name="suneel katageri" userId="d7b89cbcb57bd19c" providerId="LiveId" clId="{67CA7B10-B774-43ED-9F5C-FA2F9CAD4502}" dt="2025-09-14T15:36:37.486" v="49" actId="2696"/>
@@ -3487,12 +3503,351 @@
           <a:chExt cx="0" cy="0"/>
         </a:xfrm>
       </p:grpSpPr>
+      <p:sp>
+        <p:nvSpPr>
+          <p:cNvPr id="3" name="TextBox 2">
+            <a:extLst>
+              <a:ext uri="{FF2B5EF4-FFF2-40B4-BE49-F238E27FC236}">
+                <a16:creationId xmlns:a16="http://schemas.microsoft.com/office/drawing/2014/main" id="{8E6A9166-3650-4667-5501-817695FC30EE}"/>
+              </a:ext>
+            </a:extLst>
+          </p:cNvPr>
+          <p:cNvSpPr txBox="1"/>
+          <p:nvPr/>
+        </p:nvSpPr>
+        <p:spPr>
+          <a:xfrm>
+            <a:off x="3628298" y="1012954"/>
+            <a:ext cx="4448902" cy="4832092"/>
+          </a:xfrm>
+          <a:prstGeom prst="rect">
+            <a:avLst/>
+          </a:prstGeom>
+          <a:noFill/>
+        </p:spPr>
+        <p:txBody>
+          <a:bodyPr wrap="square">
+            <a:spAutoFit/>
+          </a:bodyPr>
+          <a:lstStyle/>
+          <a:p>
+            <a:r>
+              <a:rPr lang="en-IN" sz="700" dirty="0"/>
+              <a:t> +-------------------------+</a:t>
+            </a:r>
+          </a:p>
+          <a:p>
+            <a:r>
+              <a:rPr lang="en-IN" sz="700" dirty="0"/>
+              <a:t>                      |  User uploads Excel     |</a:t>
+            </a:r>
+          </a:p>
+          <a:p>
+            <a:r>
+              <a:rPr lang="en-IN" sz="700" dirty="0"/>
+              <a:t>                      +-----------+-------------+</a:t>
+            </a:r>
+          </a:p>
+          <a:p>
+            <a:r>
+              <a:rPr lang="en-IN" sz="700" dirty="0"/>
+              <a:t>                                  |</a:t>
+            </a:r>
+          </a:p>
+          <a:p>
+            <a:r>
+              <a:rPr lang="en-IN" sz="700" dirty="0"/>
+              <a:t>                                  v</a:t>
+            </a:r>
+          </a:p>
+          <a:p>
+            <a:r>
+              <a:rPr lang="en-IN" sz="700" dirty="0"/>
+              <a:t>                      +-----------+-------------+</a:t>
+            </a:r>
+          </a:p>
+          <a:p>
+            <a:r>
+              <a:rPr lang="en-IN" sz="700" dirty="0"/>
+              <a:t>                      |  Preprocess &amp; Schema    |</a:t>
+            </a:r>
+          </a:p>
+          <a:p>
+            <a:r>
+              <a:rPr lang="en-IN" sz="700" dirty="0"/>
+              <a:t>                      |  - parse, clean, map    |</a:t>
+            </a:r>
+          </a:p>
+          <a:p>
+            <a:r>
+              <a:rPr lang="en-IN" sz="700" dirty="0"/>
+              <a:t>                      +-----------+-------------+</a:t>
+            </a:r>
+          </a:p>
+          <a:p>
+            <a:r>
+              <a:rPr lang="en-IN" sz="700" dirty="0"/>
+              <a:t>                                  |</a:t>
+            </a:r>
+          </a:p>
+          <a:p>
+            <a:r>
+              <a:rPr lang="en-IN" sz="700" dirty="0"/>
+              <a:t>                                  v</a:t>
+            </a:r>
+          </a:p>
+          <a:p>
+            <a:r>
+              <a:rPr lang="en-IN" sz="700" dirty="0"/>
+              <a:t>                      +-----------+-------------+</a:t>
+            </a:r>
+          </a:p>
+          <a:p>
+            <a:r>
+              <a:rPr lang="en-IN" sz="700" dirty="0"/>
+              <a:t>                      |  Compute RAG Scores     |</a:t>
+            </a:r>
+          </a:p>
+          <a:p>
+            <a:r>
+              <a:rPr lang="en-IN" sz="700" dirty="0"/>
+              <a:t>                      |  - apply thresholds     |</a:t>
+            </a:r>
+          </a:p>
+          <a:p>
+            <a:r>
+              <a:rPr lang="en-IN" sz="700" dirty="0"/>
+              <a:t>                      |  - tag rows R / A / G   |</a:t>
+            </a:r>
+          </a:p>
+          <a:p>
+            <a:r>
+              <a:rPr lang="en-IN" sz="700" dirty="0"/>
+              <a:t>                      +-----------+-------------+</a:t>
+            </a:r>
+          </a:p>
+          <a:p>
+            <a:r>
+              <a:rPr lang="en-IN" sz="700" dirty="0"/>
+              <a:t>                                  |</a:t>
+            </a:r>
+          </a:p>
+          <a:p>
+            <a:r>
+              <a:rPr lang="en-IN" sz="700" dirty="0"/>
+              <a:t>        +-------------------------+-------------------------+</a:t>
+            </a:r>
+          </a:p>
+          <a:p>
+            <a:r>
+              <a:rPr lang="en-IN" sz="700" dirty="0"/>
+              <a:t>        |                                                 |</a:t>
+            </a:r>
+          </a:p>
+          <a:p>
+            <a:r>
+              <a:rPr lang="en-IN" sz="700" dirty="0"/>
+              <a:t>        v                                                 </a:t>
+            </a:r>
+            <a:r>
+              <a:rPr lang="en-IN" sz="700" dirty="0" err="1"/>
+              <a:t>v</a:t>
+            </a:r>
+            <a:endParaRPr lang="en-IN" sz="700" dirty="0"/>
+          </a:p>
+          <a:p>
+            <a:r>
+              <a:rPr lang="en-IN" sz="700" dirty="0"/>
+              <a:t>+-------+-------+                                 +-------+-------+</a:t>
+            </a:r>
+          </a:p>
+          <a:p>
+            <a:r>
+              <a:rPr lang="en-IN" sz="700" dirty="0"/>
+              <a:t>|  Index rows   |                                 |  Dashboard /  |</a:t>
+            </a:r>
+          </a:p>
+          <a:p>
+            <a:r>
+              <a:rPr lang="en-IN" sz="700" dirty="0"/>
+              <a:t>|  (embeddings) |                                 |  KPI summary  |</a:t>
+            </a:r>
+          </a:p>
+          <a:p>
+            <a:r>
+              <a:rPr lang="en-IN" sz="700" dirty="0"/>
+              <a:t>+-------+-------+                                 +-------+-------+</a:t>
+            </a:r>
+          </a:p>
+          <a:p>
+            <a:r>
+              <a:rPr lang="en-IN" sz="700" dirty="0"/>
+              <a:t>        |                                                 |</a:t>
+            </a:r>
+          </a:p>
+          <a:p>
+            <a:r>
+              <a:rPr lang="en-IN" sz="700" dirty="0"/>
+              <a:t>        v                                                 |</a:t>
+            </a:r>
+          </a:p>
+          <a:p>
+            <a:r>
+              <a:rPr lang="en-IN" sz="700" dirty="0"/>
+              <a:t>+-------+-------+                                         |</a:t>
+            </a:r>
+          </a:p>
+          <a:p>
+            <a:r>
+              <a:rPr lang="en-IN" sz="700" dirty="0"/>
+              <a:t>|  Chat / RAG   |&lt;------- User queries / Chat UI ---------+</a:t>
+            </a:r>
+          </a:p>
+          <a:p>
+            <a:r>
+              <a:rPr lang="en-IN" sz="700" dirty="0"/>
+              <a:t>|  Assistant    |  (retrieval → LLM → explanation/actions) |</a:t>
+            </a:r>
+          </a:p>
+          <a:p>
+            <a:r>
+              <a:rPr lang="en-IN" sz="700" dirty="0"/>
+              <a:t>+-------+-------+                                         |</a:t>
+            </a:r>
+          </a:p>
+          <a:p>
+            <a:r>
+              <a:rPr lang="en-IN" sz="700" dirty="0"/>
+              <a:t>        |                                                 |</a:t>
+            </a:r>
+          </a:p>
+          <a:p>
+            <a:r>
+              <a:rPr lang="en-IN" sz="700" dirty="0"/>
+              <a:t>        v                                                 </a:t>
+            </a:r>
+            <a:r>
+              <a:rPr lang="en-IN" sz="700" dirty="0" err="1"/>
+              <a:t>v</a:t>
+            </a:r>
+            <a:endParaRPr lang="en-IN" sz="700" dirty="0"/>
+          </a:p>
+          <a:p>
+            <a:r>
+              <a:rPr lang="en-IN" sz="700" dirty="0"/>
+              <a:t>+-------+-------+                                 +-------+-------+</a:t>
+            </a:r>
+          </a:p>
+          <a:p>
+            <a:r>
+              <a:rPr lang="en-IN" sz="700" dirty="0"/>
+              <a:t>|  Suggested    |                                 |  Report gen   |</a:t>
+            </a:r>
+          </a:p>
+          <a:p>
+            <a:r>
+              <a:rPr lang="en-IN" sz="700" dirty="0"/>
+              <a:t>|  edits/actions|                                 |  (Excel/PDF)  |</a:t>
+            </a:r>
+          </a:p>
+          <a:p>
+            <a:r>
+              <a:rPr lang="en-IN" sz="700" dirty="0"/>
+              <a:t>+-------+-------+                                 +-------+-------+</a:t>
+            </a:r>
+          </a:p>
+          <a:p>
+            <a:r>
+              <a:rPr lang="en-IN" sz="700" dirty="0"/>
+              <a:t>        |                                                 |</a:t>
+            </a:r>
+          </a:p>
+          <a:p>
+            <a:r>
+              <a:rPr lang="en-IN" sz="700" dirty="0"/>
+              <a:t>        +-------------------------+-----------------------+</a:t>
+            </a:r>
+          </a:p>
+          <a:p>
+            <a:r>
+              <a:rPr lang="en-IN" sz="700" dirty="0"/>
+              <a:t>                                  |</a:t>
+            </a:r>
+          </a:p>
+          <a:p>
+            <a:r>
+              <a:rPr lang="en-IN" sz="700" dirty="0"/>
+              <a:t>                                  v</a:t>
+            </a:r>
+          </a:p>
+          <a:p>
+            <a:r>
+              <a:rPr lang="en-IN" sz="700" dirty="0"/>
+              <a:t>                      +-----------+-------------+</a:t>
+            </a:r>
+          </a:p>
+          <a:p>
+            <a:r>
+              <a:rPr lang="en-IN" sz="700" dirty="0"/>
+              <a:t>                      |  Apply edits to Excel   |</a:t>
+            </a:r>
+          </a:p>
+          <a:p>
+            <a:r>
+              <a:rPr lang="en-IN" sz="700" dirty="0"/>
+              <a:t>                      |  → save version / export|</a:t>
+            </a:r>
+          </a:p>
+          <a:p>
+            <a:r>
+              <a:rPr lang="en-IN" sz="700" dirty="0"/>
+              <a:t>                      +-------------------------+</a:t>
+            </a:r>
+          </a:p>
+        </p:txBody>
+      </p:sp>
+    </p:spTree>
+    <p:extLst>
+      <p:ext uri="{BB962C8B-B14F-4D97-AF65-F5344CB8AC3E}">
+        <p14:creationId xmlns:p14="http://schemas.microsoft.com/office/powerpoint/2010/main" val="552515978"/>
+      </p:ext>
+    </p:extLst>
+  </p:cSld>
+  <p:clrMapOvr>
+    <a:masterClrMapping/>
+  </p:clrMapOvr>
+</p:sld>
+</file>
+
+<file path=ppt/slides/slide2.xml><?xml version="1.0" encoding="utf-8"?>
+<p:sld xmlns:a="http://schemas.openxmlformats.org/drawingml/2006/main" xmlns:r="http://schemas.openxmlformats.org/officeDocument/2006/relationships" xmlns:p="http://schemas.openxmlformats.org/presentationml/2006/main">
+  <p:cSld>
+    <p:spTree>
+      <p:nvGrpSpPr>
+        <p:cNvPr id="1" name="">
+          <a:extLst>
+            <a:ext uri="{FF2B5EF4-FFF2-40B4-BE49-F238E27FC236}">
+              <a16:creationId xmlns:a16="http://schemas.microsoft.com/office/drawing/2014/main" id="{3CB13AA6-3803-9C43-94A0-212DEA942A6B}"/>
+            </a:ext>
+          </a:extLst>
+        </p:cNvPr>
+        <p:cNvGrpSpPr/>
+        <p:nvPr/>
+      </p:nvGrpSpPr>
+      <p:grpSpPr>
+        <a:xfrm>
+          <a:off x="0" y="0"/>
+          <a:ext cx="0" cy="0"/>
+          <a:chOff x="0" y="0"/>
+          <a:chExt cx="0" cy="0"/>
+        </a:xfrm>
+      </p:grpSpPr>
       <p:pic>
         <p:nvPicPr>
           <p:cNvPr id="5" name="Picture 4">
             <a:extLst>
               <a:ext uri="{FF2B5EF4-FFF2-40B4-BE49-F238E27FC236}">
-                <a16:creationId xmlns:a16="http://schemas.microsoft.com/office/drawing/2014/main" id="{39C40FD1-8535-0A1B-2CE5-825794CA633C}"/>
+                <a16:creationId xmlns:a16="http://schemas.microsoft.com/office/drawing/2014/main" id="{3E3ED89D-FBC4-661E-E44F-CC51AD0654A6}"/>
               </a:ext>
             </a:extLst>
           </p:cNvPr>
@@ -3520,7 +3875,7 @@
     </p:spTree>
     <p:extLst>
       <p:ext uri="{BB962C8B-B14F-4D97-AF65-F5344CB8AC3E}">
-        <p14:creationId xmlns:p14="http://schemas.microsoft.com/office/powerpoint/2010/main" val="552515978"/>
+        <p14:creationId xmlns:p14="http://schemas.microsoft.com/office/powerpoint/2010/main" val="876460368"/>
       </p:ext>
     </p:extLst>
   </p:cSld>
@@ -3530,7 +3885,7 @@
 </p:sld>
 </file>
 
-<file path=ppt/slides/slide2.xml><?xml version="1.0" encoding="utf-8"?>
+<file path=ppt/slides/slide3.xml><?xml version="1.0" encoding="utf-8"?>
 <p:sld xmlns:a="http://schemas.openxmlformats.org/drawingml/2006/main" xmlns:r="http://schemas.openxmlformats.org/officeDocument/2006/relationships" xmlns:p="http://schemas.openxmlformats.org/presentationml/2006/main">
   <p:cSld>
     <p:spTree>
@@ -3596,7 +3951,7 @@
 </p:sld>
 </file>
 
-<file path=ppt/slides/slide3.xml><?xml version="1.0" encoding="utf-8"?>
+<file path=ppt/slides/slide4.xml><?xml version="1.0" encoding="utf-8"?>
 <p:sld xmlns:a="http://schemas.openxmlformats.org/drawingml/2006/main" xmlns:r="http://schemas.openxmlformats.org/officeDocument/2006/relationships" xmlns:p="http://schemas.openxmlformats.org/presentationml/2006/main">
   <p:cSld>
     <p:spTree>
